--- a/Document/Orange.pptx
+++ b/Document/Orange.pptx
@@ -256,7 +256,7 @@
           <a:p>
             <a:fld id="{B7CAE84F-E6A7-446F-A355-D9AD72EEE85A}" type="datetimeFigureOut">
               <a:rPr lang="ko-KR" altLang="en-US" smtClean="0"/>
-              <a:t>2025-02-16</a:t>
+              <a:t>2025-03-31</a:t>
             </a:fld>
             <a:endParaRPr lang="ko-KR" altLang="en-US"/>
           </a:p>
@@ -426,7 +426,7 @@
           <a:p>
             <a:fld id="{B7CAE84F-E6A7-446F-A355-D9AD72EEE85A}" type="datetimeFigureOut">
               <a:rPr lang="ko-KR" altLang="en-US" smtClean="0"/>
-              <a:t>2025-02-16</a:t>
+              <a:t>2025-03-31</a:t>
             </a:fld>
             <a:endParaRPr lang="ko-KR" altLang="en-US"/>
           </a:p>
@@ -606,7 +606,7 @@
           <a:p>
             <a:fld id="{B7CAE84F-E6A7-446F-A355-D9AD72EEE85A}" type="datetimeFigureOut">
               <a:rPr lang="ko-KR" altLang="en-US" smtClean="0"/>
-              <a:t>2025-02-16</a:t>
+              <a:t>2025-03-31</a:t>
             </a:fld>
             <a:endParaRPr lang="ko-KR" altLang="en-US"/>
           </a:p>
@@ -776,7 +776,7 @@
           <a:p>
             <a:fld id="{B7CAE84F-E6A7-446F-A355-D9AD72EEE85A}" type="datetimeFigureOut">
               <a:rPr lang="ko-KR" altLang="en-US" smtClean="0"/>
-              <a:t>2025-02-16</a:t>
+              <a:t>2025-03-31</a:t>
             </a:fld>
             <a:endParaRPr lang="ko-KR" altLang="en-US"/>
           </a:p>
@@ -1020,7 +1020,7 @@
           <a:p>
             <a:fld id="{B7CAE84F-E6A7-446F-A355-D9AD72EEE85A}" type="datetimeFigureOut">
               <a:rPr lang="ko-KR" altLang="en-US" smtClean="0"/>
-              <a:t>2025-02-16</a:t>
+              <a:t>2025-03-31</a:t>
             </a:fld>
             <a:endParaRPr lang="ko-KR" altLang="en-US"/>
           </a:p>
@@ -1252,7 +1252,7 @@
           <a:p>
             <a:fld id="{B7CAE84F-E6A7-446F-A355-D9AD72EEE85A}" type="datetimeFigureOut">
               <a:rPr lang="ko-KR" altLang="en-US" smtClean="0"/>
-              <a:t>2025-02-16</a:t>
+              <a:t>2025-03-31</a:t>
             </a:fld>
             <a:endParaRPr lang="ko-KR" altLang="en-US"/>
           </a:p>
@@ -1619,7 +1619,7 @@
           <a:p>
             <a:fld id="{B7CAE84F-E6A7-446F-A355-D9AD72EEE85A}" type="datetimeFigureOut">
               <a:rPr lang="ko-KR" altLang="en-US" smtClean="0"/>
-              <a:t>2025-02-16</a:t>
+              <a:t>2025-03-31</a:t>
             </a:fld>
             <a:endParaRPr lang="ko-KR" altLang="en-US"/>
           </a:p>
@@ -1737,7 +1737,7 @@
           <a:p>
             <a:fld id="{B7CAE84F-E6A7-446F-A355-D9AD72EEE85A}" type="datetimeFigureOut">
               <a:rPr lang="ko-KR" altLang="en-US" smtClean="0"/>
-              <a:t>2025-02-16</a:t>
+              <a:t>2025-03-31</a:t>
             </a:fld>
             <a:endParaRPr lang="ko-KR" altLang="en-US"/>
           </a:p>
@@ -1832,7 +1832,7 @@
           <a:p>
             <a:fld id="{B7CAE84F-E6A7-446F-A355-D9AD72EEE85A}" type="datetimeFigureOut">
               <a:rPr lang="ko-KR" altLang="en-US" smtClean="0"/>
-              <a:t>2025-02-16</a:t>
+              <a:t>2025-03-31</a:t>
             </a:fld>
             <a:endParaRPr lang="ko-KR" altLang="en-US"/>
           </a:p>
@@ -2109,7 +2109,7 @@
           <a:p>
             <a:fld id="{B7CAE84F-E6A7-446F-A355-D9AD72EEE85A}" type="datetimeFigureOut">
               <a:rPr lang="ko-KR" altLang="en-US" smtClean="0"/>
-              <a:t>2025-02-16</a:t>
+              <a:t>2025-03-31</a:t>
             </a:fld>
             <a:endParaRPr lang="ko-KR" altLang="en-US"/>
           </a:p>
@@ -2366,7 +2366,7 @@
           <a:p>
             <a:fld id="{B7CAE84F-E6A7-446F-A355-D9AD72EEE85A}" type="datetimeFigureOut">
               <a:rPr lang="ko-KR" altLang="en-US" smtClean="0"/>
-              <a:t>2025-02-16</a:t>
+              <a:t>2025-03-31</a:t>
             </a:fld>
             <a:endParaRPr lang="ko-KR" altLang="en-US"/>
           </a:p>
@@ -2579,7 +2579,7 @@
           <a:p>
             <a:fld id="{B7CAE84F-E6A7-446F-A355-D9AD72EEE85A}" type="datetimeFigureOut">
               <a:rPr lang="ko-KR" altLang="en-US" smtClean="0"/>
-              <a:t>2025-02-16</a:t>
+              <a:t>2025-03-31</a:t>
             </a:fld>
             <a:endParaRPr lang="ko-KR" altLang="en-US"/>
           </a:p>
@@ -54222,10 +54222,10 @@
         </p:nvGrpSpPr>
         <p:grpSpPr>
           <a:xfrm>
-            <a:off x="5759089" y="1799916"/>
-            <a:ext cx="826921" cy="180000"/>
-            <a:chOff x="3780000" y="2844000"/>
-            <a:chExt cx="826921" cy="180000"/>
+            <a:off x="5754688" y="1612132"/>
+            <a:ext cx="333624" cy="540000"/>
+            <a:chOff x="3775599" y="2656216"/>
+            <a:chExt cx="333624" cy="540000"/>
           </a:xfrm>
         </p:grpSpPr>
         <p:sp>
@@ -54241,8 +54241,8 @@
             <p:nvPr/>
           </p:nvSpPr>
           <p:spPr>
-            <a:xfrm>
-              <a:off x="3924000" y="2844000"/>
+            <a:xfrm rot="5400000">
+              <a:off x="3749223" y="2836216"/>
               <a:ext cx="540000" cy="180000"/>
             </a:xfrm>
             <a:prstGeom prst="roundRect">
@@ -54286,9 +54286,10 @@
             <a:p>
               <a:pPr algn="ctr"/>
               <a:r>
-                <a:rPr lang="en-US" sz="1400" dirty="0"/>
-                <a:t>470</a:t>
+                <a:rPr lang="en-US" sz="1400"/>
+                <a:t>100</a:t>
               </a:r>
+              <a:endParaRPr lang="en-US" sz="1400" dirty="0"/>
             </a:p>
           </p:txBody>
         </p:sp>
@@ -54308,7 +54309,7 @@
           </p:nvSpPr>
           <p:spPr>
             <a:xfrm>
-              <a:off x="3780000" y="2880000"/>
+              <a:off x="3775599" y="2700786"/>
               <a:ext cx="108000" cy="108000"/>
             </a:xfrm>
             <a:prstGeom prst="ellipse">
@@ -54364,7 +54365,7 @@
           </p:nvSpPr>
           <p:spPr>
             <a:xfrm>
-              <a:off x="4498921" y="2877436"/>
+              <a:off x="3780829" y="3056841"/>
               <a:ext cx="108000" cy="108000"/>
             </a:xfrm>
             <a:prstGeom prst="ellipse">
@@ -56573,20 +56574,18 @@
             </p:cNvPr>
             <p:cNvCxnSpPr>
               <a:cxnSpLocks/>
-              <a:stCxn id="429" idx="6"/>
+              <a:stCxn id="456" idx="2"/>
               <a:endCxn id="428" idx="2"/>
             </p:cNvCxnSpPr>
             <p:nvPr/>
           </p:nvCxnSpPr>
           <p:spPr>
-            <a:xfrm flipH="1">
-              <a:off x="5686131" y="2242775"/>
-              <a:ext cx="435496" cy="4876"/>
-            </a:xfrm>
-            <a:prstGeom prst="curvedConnector3">
-              <a:avLst>
-                <a:gd name="adj1" fmla="val 50000"/>
-              </a:avLst>
+            <a:xfrm rot="16200000" flipV="1">
+              <a:off x="5689345" y="2244437"/>
+              <a:ext cx="121983" cy="128412"/>
+            </a:xfrm>
+            <a:prstGeom prst="curvedConnector2">
+              <a:avLst/>
             </a:prstGeom>
             <a:ln w="25400">
               <a:solidFill>
